--- a/Python_Padas_Data analysis/Finance/Stock_Analysis_Report.pptx
+++ b/Python_Padas_Data analysis/Finance/Stock_Analysis_Report.pptx
@@ -11856,6 +11856,13 @@
             <a:schemeClr val="lt1"/>
           </a:fontRef>
         </p:style>
+        <p:txBody>
+          <a:bodyPr/>
+          <a:lstStyle/>
+          <a:p>
+            <a:endParaRPr lang="en-US"/>
+          </a:p>
+        </p:txBody>
       </p:sp>
       <p:sp>
         <p:nvSpPr>
@@ -18297,6 +18304,13 @@
             <a:schemeClr val="lt1"/>
           </a:fontRef>
         </p:style>
+        <p:txBody>
+          <a:bodyPr/>
+          <a:lstStyle/>
+          <a:p>
+            <a:endParaRPr lang="en-US"/>
+          </a:p>
+        </p:txBody>
       </p:sp>
       <p:sp>
         <p:nvSpPr>
@@ -18433,7 +18447,7 @@
           <a:p>
             <a:fld id="{5BCAD085-E8A6-8845-BD4E-CB4CCA059FC4}" type="datetimeFigureOut">
               <a:rPr lang="en-US" smtClean="0"/>
-              <a:t>12/3/2025</a:t>
+              <a:t>2/4/2026</a:t>
             </a:fld>
             <a:endParaRPr lang="en-US"/>
           </a:p>
@@ -18640,7 +18654,7 @@
           <a:p>
             <a:fld id="{5BCAD085-E8A6-8845-BD4E-CB4CCA059FC4}" type="datetimeFigureOut">
               <a:rPr lang="en-US" smtClean="0"/>
-              <a:t>12/3/2025</a:t>
+              <a:t>2/4/2026</a:t>
             </a:fld>
             <a:endParaRPr lang="en-US"/>
           </a:p>
@@ -18820,7 +18834,7 @@
           <a:p>
             <a:fld id="{5BCAD085-E8A6-8845-BD4E-CB4CCA059FC4}" type="datetimeFigureOut">
               <a:rPr lang="en-US" smtClean="0"/>
-              <a:t>12/3/2025</a:t>
+              <a:t>2/4/2026</a:t>
             </a:fld>
             <a:endParaRPr lang="en-US"/>
           </a:p>
@@ -19025,7 +19039,7 @@
           <a:p>
             <a:fld id="{5BCAD085-E8A6-8845-BD4E-CB4CCA059FC4}" type="datetimeFigureOut">
               <a:rPr lang="en-US" smtClean="0"/>
-              <a:t>12/3/2025</a:t>
+              <a:t>2/4/2026</a:t>
             </a:fld>
             <a:endParaRPr lang="en-US"/>
           </a:p>
@@ -25763,7 +25777,7 @@
           <a:p>
             <a:fld id="{5BCAD085-E8A6-8845-BD4E-CB4CCA059FC4}" type="datetimeFigureOut">
               <a:rPr lang="en-US" smtClean="0"/>
-              <a:t>12/3/2025</a:t>
+              <a:t>2/4/2026</a:t>
             </a:fld>
             <a:endParaRPr lang="en-US"/>
           </a:p>
@@ -26037,7 +26051,7 @@
           <a:p>
             <a:fld id="{5BCAD085-E8A6-8845-BD4E-CB4CCA059FC4}" type="datetimeFigureOut">
               <a:rPr lang="en-US" smtClean="0"/>
-              <a:t>12/3/2025</a:t>
+              <a:t>2/4/2026</a:t>
             </a:fld>
             <a:endParaRPr lang="en-US"/>
           </a:p>
@@ -26440,7 +26454,7 @@
           <a:p>
             <a:fld id="{5BCAD085-E8A6-8845-BD4E-CB4CCA059FC4}" type="datetimeFigureOut">
               <a:rPr lang="en-US" smtClean="0"/>
-              <a:t>12/3/2025</a:t>
+              <a:t>2/4/2026</a:t>
             </a:fld>
             <a:endParaRPr lang="en-US"/>
           </a:p>
@@ -26558,7 +26572,7 @@
           <a:p>
             <a:fld id="{5BCAD085-E8A6-8845-BD4E-CB4CCA059FC4}" type="datetimeFigureOut">
               <a:rPr lang="en-US" smtClean="0"/>
-              <a:t>12/3/2025</a:t>
+              <a:t>2/4/2026</a:t>
             </a:fld>
             <a:endParaRPr lang="en-US"/>
           </a:p>
@@ -26653,7 +26667,7 @@
           <a:p>
             <a:fld id="{5BCAD085-E8A6-8845-BD4E-CB4CCA059FC4}" type="datetimeFigureOut">
               <a:rPr lang="en-US" smtClean="0"/>
-              <a:t>12/3/2025</a:t>
+              <a:t>2/4/2026</a:t>
             </a:fld>
             <a:endParaRPr lang="en-US"/>
           </a:p>
@@ -26945,7 +26959,7 @@
           <a:p>
             <a:fld id="{5BCAD085-E8A6-8845-BD4E-CB4CCA059FC4}" type="datetimeFigureOut">
               <a:rPr lang="en-US" smtClean="0"/>
-              <a:t>12/3/2025</a:t>
+              <a:t>2/4/2026</a:t>
             </a:fld>
             <a:endParaRPr lang="en-US"/>
           </a:p>
@@ -27225,7 +27239,7 @@
           <a:p>
             <a:fld id="{5BCAD085-E8A6-8845-BD4E-CB4CCA059FC4}" type="datetimeFigureOut">
               <a:rPr lang="en-US" smtClean="0"/>
-              <a:t>12/3/2025</a:t>
+              <a:t>2/4/2026</a:t>
             </a:fld>
             <a:endParaRPr lang="en-US"/>
           </a:p>
@@ -27475,7 +27489,7 @@
           <a:p>
             <a:fld id="{5BCAD085-E8A6-8845-BD4E-CB4CCA059FC4}" type="datetimeFigureOut">
               <a:rPr lang="en-US" smtClean="0"/>
-              <a:t>12/3/2025</a:t>
+              <a:t>2/4/2026</a:t>
             </a:fld>
             <a:endParaRPr lang="en-US"/>
           </a:p>
@@ -28141,22 +28155,12 @@
           <a:lstStyle/>
           <a:p>
             <a:r>
-              <a:rPr lang="en-GB">
+              <a:rPr lang="en-GB" dirty="0">
                 <a:solidFill>
                   <a:schemeClr val="tx1"/>
                 </a:solidFill>
               </a:rPr>
               <a:t>Full Project Report</a:t>
-            </a:r>
-          </a:p>
-          <a:p>
-            <a:r>
-              <a:rPr lang="en-GB">
-                <a:solidFill>
-                  <a:schemeClr val="tx1"/>
-                </a:solidFill>
-              </a:rPr>
-              <a:t>Generated by ChatGPT</a:t>
             </a:r>
           </a:p>
         </p:txBody>
@@ -28319,70 +28323,6 @@
                                           <p:spTgt spid="3">
                                             <p:txEl>
                                               <p:pRg st="0" end="0"/>
-                                            </p:txEl>
-                                          </p:spTgt>
-                                        </p:tgtEl>
-                                      </p:cBhvr>
-                                    </p:animEffect>
-                                  </p:childTnLst>
-                                </p:cTn>
-                              </p:par>
-                            </p:childTnLst>
-                          </p:cTn>
-                        </p:par>
-                      </p:childTnLst>
-                    </p:cTn>
-                  </p:par>
-                  <p:par>
-                    <p:cTn id="11" fill="hold">
-                      <p:stCondLst>
-                        <p:cond delay="indefinite"/>
-                      </p:stCondLst>
-                      <p:childTnLst>
-                        <p:par>
-                          <p:cTn id="12" fill="hold">
-                            <p:stCondLst>
-                              <p:cond delay="0"/>
-                            </p:stCondLst>
-                            <p:childTnLst>
-                              <p:par>
-                                <p:cTn id="13" presetID="10" presetClass="entr" presetSubtype="0" fill="hold" grpId="0" nodeType="clickEffect">
-                                  <p:stCondLst>
-                                    <p:cond delay="2000"/>
-                                  </p:stCondLst>
-                                  <p:iterate type="lt">
-                                    <p:tmPct val="10000"/>
-                                  </p:iterate>
-                                  <p:childTnLst>
-                                    <p:set>
-                                      <p:cBhvr>
-                                        <p:cTn id="14" dur="1" fill="hold">
-                                          <p:stCondLst>
-                                            <p:cond delay="0"/>
-                                          </p:stCondLst>
-                                        </p:cTn>
-                                        <p:tgtEl>
-                                          <p:spTgt spid="3">
-                                            <p:txEl>
-                                              <p:pRg st="1" end="1"/>
-                                            </p:txEl>
-                                          </p:spTgt>
-                                        </p:tgtEl>
-                                        <p:attrNameLst>
-                                          <p:attrName>style.visibility</p:attrName>
-                                        </p:attrNameLst>
-                                      </p:cBhvr>
-                                      <p:to>
-                                        <p:strVal val="visible"/>
-                                      </p:to>
-                                    </p:set>
-                                    <p:animEffect transition="in" filter="fade">
-                                      <p:cBhvr>
-                                        <p:cTn id="15" dur="400"/>
-                                        <p:tgtEl>
-                                          <p:spTgt spid="3">
-                                            <p:txEl>
-                                              <p:pRg st="1" end="1"/>
                                             </p:txEl>
                                           </p:spTgt>
                                         </p:tgtEl>
